--- a/CPAD_Assignment.pptx
+++ b/CPAD_Assignment.pptx
@@ -1062,7 +1062,7 @@
           <a:p>
             <a:fld id="{1D8BD707-D9CF-40AE-B4C6-C98DA3205C09}" type="datetimeFigureOut">
               <a:rPr lang="en-US"/>
-              <a:t>11/11/2022</a:t>
+              <a:t>11/12/2022</a:t>
             </a:fld>
             <a:endParaRPr lang="en-US"/>
           </a:p>
@@ -1253,7 +1253,7 @@
           <a:p>
             <a:fld id="{1D8BD707-D9CF-40AE-B4C6-C98DA3205C09}" type="datetimeFigureOut">
               <a:rPr lang="en-US"/>
-              <a:t>11/11/2022</a:t>
+              <a:t>11/12/2022</a:t>
             </a:fld>
             <a:endParaRPr lang="en-US"/>
           </a:p>
@@ -1481,7 +1481,7 @@
           <a:p>
             <a:fld id="{1D8BD707-D9CF-40AE-B4C6-C98DA3205C09}" type="datetimeFigureOut">
               <a:rPr lang="en-US"/>
-              <a:t>11/11/2022</a:t>
+              <a:t>11/12/2022</a:t>
             </a:fld>
             <a:endParaRPr lang="en-US"/>
           </a:p>
@@ -1643,7 +1643,7 @@
           <a:p>
             <a:fld id="{1D8BD707-D9CF-40AE-B4C6-C98DA3205C09}" type="datetimeFigureOut">
               <a:rPr lang="en-US"/>
-              <a:t>11/11/2022</a:t>
+              <a:t>11/12/2022</a:t>
             </a:fld>
             <a:endParaRPr lang="en-US"/>
           </a:p>
@@ -1776,7 +1776,7 @@
           <a:p>
             <a:fld id="{1D8BD707-D9CF-40AE-B4C6-C98DA3205C09}" type="datetimeFigureOut">
               <a:rPr lang="en-US"/>
-              <a:t>11/11/2022</a:t>
+              <a:t>11/12/2022</a:t>
             </a:fld>
             <a:endParaRPr lang="en-US"/>
           </a:p>
@@ -2487,7 +2487,7 @@
           <a:p>
             <a:fld id="{1D8BD707-D9CF-40AE-B4C6-C98DA3205C09}" type="datetimeFigureOut">
               <a:rPr lang="en-US"/>
-              <a:t>11/11/2022</a:t>
+              <a:t>11/12/2022</a:t>
             </a:fld>
             <a:endParaRPr lang="en-US"/>
           </a:p>
@@ -4469,7 +4469,7 @@
             </a:pPr>
             <a:r>
               <a:rPr lang="en-US" sz="2400" dirty="0"/>
-              <a:t>Women Safety App is an application built using Flutter and Firebase to help woman's during emergencies.</a:t>
+              <a:t>Women Safety App is an application built using Flutter and Firebase to help women during emergencies.</a:t>
             </a:r>
           </a:p>
           <a:p>
@@ -4482,7 +4482,7 @@
             </a:pPr>
             <a:r>
               <a:rPr lang="en-US" sz="2400" dirty="0"/>
-              <a:t>Through delivering a solution woman needs in any critical time without any hustle.</a:t>
+              <a:t>Through delivering a solution to women needs in any critical time without any hustle.</a:t>
             </a:r>
           </a:p>
           <a:p>
@@ -4816,7 +4816,7 @@
         <p:spPr>
           <a:xfrm>
             <a:off x="381000" y="1600200"/>
-            <a:ext cx="10337275" cy="5943294"/>
+            <a:ext cx="10337275" cy="5614999"/>
           </a:xfrm>
           <a:prstGeom prst="rect">
             <a:avLst/>
@@ -5011,26 +5011,6 @@
                 <a:cs typeface="Arial MT"/>
               </a:rPr>
               <a:t>Nearby Police Stations addresses</a:t>
-            </a:r>
-          </a:p>
-          <a:p>
-            <a:pPr marL="1270000" lvl="2" indent="-342900">
-              <a:spcBef>
-                <a:spcPts val="105"/>
-              </a:spcBef>
-              <a:buFont typeface="Wingdings" panose="05000000000000000000" pitchFamily="2" charset="2"/>
-              <a:buChar char="Ø"/>
-              <a:tabLst>
-                <a:tab pos="354965" algn="l"/>
-                <a:tab pos="355600" algn="l"/>
-              </a:tabLst>
-            </a:pPr>
-            <a:r>
-              <a:rPr lang="en-IN" sz="2050" dirty="0">
-                <a:latin typeface="Arial MT"/>
-                <a:cs typeface="Arial MT"/>
-              </a:rPr>
-              <a:t>Taxi</a:t>
             </a:r>
           </a:p>
           <a:p>
